--- a/课程设计/马可福音查经/PPT/02.pptx
+++ b/课程设计/马可福音查经/PPT/02.pptx
@@ -212,7 +212,8 @@
           <a:p>
             <a:fld id="{F5B72CE7-EDFF-42EE-A95E-B08AA33410F2}" type="datetimeFigureOut">
               <a:rPr lang="zh-CN" altLang="en-US" smtClean="0"/>
-              <a:t>2017/9/9</a:t>
+              <a:pPr/>
+              <a:t>2017/9/10</a:t>
             </a:fld>
             <a:endParaRPr lang="zh-CN" altLang="en-US"/>
           </a:p>
@@ -373,6 +374,7 @@
           <a:p>
             <a:fld id="{C662BEB5-8C1D-4FE2-B66D-EFAAAC7E2341}" type="slidenum">
               <a:rPr lang="zh-CN" altLang="en-US" smtClean="0"/>
+              <a:pPr/>
               <a:t>‹#›</a:t>
             </a:fld>
             <a:endParaRPr lang="zh-CN" altLang="en-US"/>
@@ -548,6 +550,7 @@
           <a:p>
             <a:fld id="{C662BEB5-8C1D-4FE2-B66D-EFAAAC7E2341}" type="slidenum">
               <a:rPr lang="zh-CN" altLang="en-US" smtClean="0"/>
+              <a:pPr/>
               <a:t>6</a:t>
             </a:fld>
             <a:endParaRPr lang="zh-CN" altLang="en-US"/>
@@ -633,6 +636,7 @@
           <a:p>
             <a:fld id="{C662BEB5-8C1D-4FE2-B66D-EFAAAC7E2341}" type="slidenum">
               <a:rPr lang="zh-CN" altLang="en-US" smtClean="0"/>
+              <a:pPr/>
               <a:t>9</a:t>
             </a:fld>
             <a:endParaRPr lang="zh-CN" altLang="en-US"/>
@@ -829,7 +833,7 @@
             <a:fld id="{530820CF-B880-4189-942D-D702A7CBA730}" type="datetimeFigureOut">
               <a:rPr lang="zh-CN" altLang="en-US" smtClean="0"/>
               <a:pPr/>
-              <a:t>2017/9/9</a:t>
+              <a:t>2017/9/10</a:t>
             </a:fld>
             <a:endParaRPr lang="zh-CN" altLang="en-US"/>
           </a:p>
@@ -996,7 +1000,7 @@
             <a:fld id="{530820CF-B880-4189-942D-D702A7CBA730}" type="datetimeFigureOut">
               <a:rPr lang="zh-CN" altLang="en-US" smtClean="0"/>
               <a:pPr/>
-              <a:t>2017/9/9</a:t>
+              <a:t>2017/9/10</a:t>
             </a:fld>
             <a:endParaRPr lang="zh-CN" altLang="en-US"/>
           </a:p>
@@ -1173,7 +1177,7 @@
             <a:fld id="{530820CF-B880-4189-942D-D702A7CBA730}" type="datetimeFigureOut">
               <a:rPr lang="zh-CN" altLang="en-US" smtClean="0"/>
               <a:pPr/>
-              <a:t>2017/9/9</a:t>
+              <a:t>2017/9/10</a:t>
             </a:fld>
             <a:endParaRPr lang="zh-CN" altLang="en-US"/>
           </a:p>
@@ -1340,7 +1344,7 @@
             <a:fld id="{530820CF-B880-4189-942D-D702A7CBA730}" type="datetimeFigureOut">
               <a:rPr lang="zh-CN" altLang="en-US" smtClean="0"/>
               <a:pPr/>
-              <a:t>2017/9/9</a:t>
+              <a:t>2017/9/10</a:t>
             </a:fld>
             <a:endParaRPr lang="zh-CN" altLang="en-US"/>
           </a:p>
@@ -1583,7 +1587,7 @@
             <a:fld id="{530820CF-B880-4189-942D-D702A7CBA730}" type="datetimeFigureOut">
               <a:rPr lang="zh-CN" altLang="en-US" smtClean="0"/>
               <a:pPr/>
-              <a:t>2017/9/9</a:t>
+              <a:t>2017/9/10</a:t>
             </a:fld>
             <a:endParaRPr lang="zh-CN" altLang="en-US"/>
           </a:p>
@@ -1868,7 +1872,7 @@
             <a:fld id="{530820CF-B880-4189-942D-D702A7CBA730}" type="datetimeFigureOut">
               <a:rPr lang="zh-CN" altLang="en-US" smtClean="0"/>
               <a:pPr/>
-              <a:t>2017/9/9</a:t>
+              <a:t>2017/9/10</a:t>
             </a:fld>
             <a:endParaRPr lang="zh-CN" altLang="en-US"/>
           </a:p>
@@ -2287,7 +2291,7 @@
             <a:fld id="{530820CF-B880-4189-942D-D702A7CBA730}" type="datetimeFigureOut">
               <a:rPr lang="zh-CN" altLang="en-US" smtClean="0"/>
               <a:pPr/>
-              <a:t>2017/9/9</a:t>
+              <a:t>2017/9/10</a:t>
             </a:fld>
             <a:endParaRPr lang="zh-CN" altLang="en-US"/>
           </a:p>
@@ -2402,7 +2406,7 @@
             <a:fld id="{530820CF-B880-4189-942D-D702A7CBA730}" type="datetimeFigureOut">
               <a:rPr lang="zh-CN" altLang="en-US" smtClean="0"/>
               <a:pPr/>
-              <a:t>2017/9/9</a:t>
+              <a:t>2017/9/10</a:t>
             </a:fld>
             <a:endParaRPr lang="zh-CN" altLang="en-US"/>
           </a:p>
@@ -2494,7 +2498,7 @@
             <a:fld id="{530820CF-B880-4189-942D-D702A7CBA730}" type="datetimeFigureOut">
               <a:rPr lang="zh-CN" altLang="en-US" smtClean="0"/>
               <a:pPr/>
-              <a:t>2017/9/9</a:t>
+              <a:t>2017/9/10</a:t>
             </a:fld>
             <a:endParaRPr lang="zh-CN" altLang="en-US"/>
           </a:p>
@@ -2768,7 +2772,7 @@
             <a:fld id="{530820CF-B880-4189-942D-D702A7CBA730}" type="datetimeFigureOut">
               <a:rPr lang="zh-CN" altLang="en-US" smtClean="0"/>
               <a:pPr/>
-              <a:t>2017/9/9</a:t>
+              <a:t>2017/9/10</a:t>
             </a:fld>
             <a:endParaRPr lang="zh-CN" altLang="en-US"/>
           </a:p>
@@ -3018,7 +3022,7 @@
             <a:fld id="{530820CF-B880-4189-942D-D702A7CBA730}" type="datetimeFigureOut">
               <a:rPr lang="zh-CN" altLang="en-US" smtClean="0"/>
               <a:pPr/>
-              <a:t>2017/9/9</a:t>
+              <a:t>2017/9/10</a:t>
             </a:fld>
             <a:endParaRPr lang="zh-CN" altLang="en-US"/>
           </a:p>
@@ -3228,7 +3232,7 @@
             <a:fld id="{530820CF-B880-4189-942D-D702A7CBA730}" type="datetimeFigureOut">
               <a:rPr lang="zh-CN" altLang="en-US" smtClean="0"/>
               <a:pPr/>
-              <a:t>2017/9/9</a:t>
+              <a:t>2017/9/10</a:t>
             </a:fld>
             <a:endParaRPr lang="zh-CN" altLang="en-US"/>
           </a:p>
@@ -4008,11 +4012,7 @@
           <a:p>
             <a:r>
               <a:rPr lang="zh-CN" altLang="en-US" dirty="0" smtClean="0"/>
-              <a:t>西门</a:t>
-            </a:r>
-            <a:r>
-              <a:rPr lang="zh-CN" altLang="en-US" dirty="0" smtClean="0"/>
-              <a:t>说话的语气是怎么样的？</a:t>
+              <a:t>西门说话的语气是怎么样的？</a:t>
             </a:r>
           </a:p>
           <a:p>
@@ -4091,11 +4091,7 @@
             </a:pPr>
             <a:r>
               <a:rPr lang="zh-CN" altLang="en-US" sz="3200" dirty="0" smtClean="0"/>
-              <a:t>耶稣说话的语气是怎么样的</a:t>
-            </a:r>
-            <a:r>
-              <a:rPr lang="zh-CN" altLang="en-US" sz="3200" dirty="0" smtClean="0"/>
-              <a:t>？</a:t>
+              <a:t>耶稣说话的语气是怎么样的？</a:t>
             </a:r>
             <a:endParaRPr lang="en-US" altLang="zh-CN" sz="3200" dirty="0" smtClean="0"/>
           </a:p>
@@ -4903,11 +4899,7 @@
           <a:p>
             <a:r>
               <a:rPr lang="zh-CN" altLang="en-US" dirty="0" smtClean="0"/>
-              <a:t>旷野的</a:t>
-            </a:r>
-            <a:r>
-              <a:rPr lang="zh-CN" altLang="en-US" dirty="0" smtClean="0"/>
-              <a:t>祷告</a:t>
+              <a:t>旷野的祷告</a:t>
             </a:r>
             <a:endParaRPr lang="en-US" altLang="zh-CN" dirty="0" smtClean="0"/>
           </a:p>
@@ -4916,7 +4908,6 @@
               <a:rPr lang="zh-CN" altLang="en-US" dirty="0" smtClean="0"/>
               <a:t>旷野的教导</a:t>
             </a:r>
-            <a:endParaRPr lang="zh-CN" altLang="en-US" dirty="0" smtClean="0"/>
           </a:p>
           <a:p>
             <a:r>
@@ -5433,11 +5424,7 @@
             </a:r>
             <a:r>
               <a:rPr lang="zh-CN" altLang="en-US" b="1" dirty="0" smtClean="0"/>
-              <a:t>串</a:t>
-            </a:r>
-            <a:r>
-              <a:rPr lang="zh-CN" altLang="en-US" b="1" dirty="0" smtClean="0"/>
-              <a:t>故事</a:t>
+              <a:t>串故事</a:t>
             </a:r>
             <a:endParaRPr lang="zh-CN" altLang="en-US" dirty="0"/>
           </a:p>
@@ -8908,11 +8895,7 @@
           <a:p>
             <a:r>
               <a:rPr lang="zh-CN" altLang="en-US" b="1" dirty="0" smtClean="0"/>
-              <a:t>课后</a:t>
-            </a:r>
-            <a:r>
-              <a:rPr lang="zh-CN" altLang="en-US" b="1" dirty="0" smtClean="0"/>
-              <a:t>作业</a:t>
+              <a:t>课后作业</a:t>
             </a:r>
             <a:endParaRPr lang="zh-CN" altLang="en-US" dirty="0"/>
           </a:p>
@@ -8940,15 +8923,7 @@
           <a:p>
             <a:r>
               <a:rPr lang="zh-CN" altLang="en-US" dirty="0" smtClean="0"/>
-              <a:t>为这四段故事，每个都写一个</a:t>
-            </a:r>
-            <a:r>
-              <a:rPr lang="zh-CN" altLang="en-US" dirty="0" smtClean="0"/>
-              <a:t>标题；</a:t>
-            </a:r>
-            <a:r>
-              <a:rPr lang="zh-CN" altLang="en-US" dirty="0" smtClean="0"/>
-              <a:t>每个标题的字数控制在</a:t>
+              <a:t>为这四段故事，每个都写一个标题；每个标题的字数控制在</a:t>
             </a:r>
             <a:r>
               <a:rPr lang="en-US" altLang="zh-CN" dirty="0" smtClean="0"/>
@@ -8956,11 +8931,7 @@
             </a:r>
             <a:r>
               <a:rPr lang="zh-CN" altLang="en-US" dirty="0" smtClean="0"/>
-              <a:t>个字以内</a:t>
-            </a:r>
-            <a:r>
-              <a:rPr lang="zh-CN" altLang="en-US" dirty="0" smtClean="0"/>
-              <a:t>。</a:t>
+              <a:t>个字以内。</a:t>
             </a:r>
             <a:endParaRPr lang="en-US" altLang="zh-CN" dirty="0" smtClean="0"/>
           </a:p>
@@ -9097,19 +9068,46 @@
           <a:p>
             <a:r>
               <a:rPr lang="zh-CN" altLang="en-US" dirty="0" smtClean="0"/>
-              <a:t>选择连续的三个故事，解析三要素、分析剧情、总结提炼。要写下来。</a:t>
-            </a:r>
-          </a:p>
-          <a:p>
+              <a:t>选择连续的</a:t>
+            </a:r>
             <a:r>
               <a:rPr lang="zh-CN" altLang="en-US" dirty="0" smtClean="0"/>
-              <a:t>尝试把你阅读的三个故事，用一个主线串联</a:t>
+              <a:t>三</a:t>
             </a:r>
             <a:r>
               <a:rPr lang="zh-CN" altLang="en-US" dirty="0" smtClean="0"/>
-              <a:t>起来</a:t>
-            </a:r>
-            <a:endParaRPr lang="zh-CN" altLang="en-US" dirty="0" smtClean="0"/>
+              <a:t>到四</a:t>
+            </a:r>
+            <a:r>
+              <a:rPr lang="zh-CN" altLang="en-US" dirty="0" smtClean="0"/>
+              <a:t>个</a:t>
+            </a:r>
+            <a:r>
+              <a:rPr lang="zh-CN" altLang="en-US" dirty="0" smtClean="0"/>
+              <a:t>故事，解析三要素、分析剧情、总结提炼。要写下来。</a:t>
+            </a:r>
+          </a:p>
+          <a:p>
+            <a:r>
+              <a:rPr lang="zh-CN" altLang="en-US" dirty="0" smtClean="0"/>
+              <a:t>尝试把你阅读</a:t>
+            </a:r>
+            <a:r>
+              <a:rPr lang="zh-CN" altLang="en-US" dirty="0" smtClean="0"/>
+              <a:t>的</a:t>
+            </a:r>
+            <a:r>
+              <a:rPr lang="zh-CN" altLang="en-US" dirty="0" smtClean="0"/>
+              <a:t>几</a:t>
+            </a:r>
+            <a:r>
+              <a:rPr lang="zh-CN" altLang="en-US" dirty="0" smtClean="0"/>
+              <a:t>个</a:t>
+            </a:r>
+            <a:r>
+              <a:rPr lang="zh-CN" altLang="en-US" dirty="0" smtClean="0"/>
+              <a:t>故事，用一个主线串联起来</a:t>
+            </a:r>
           </a:p>
         </p:txBody>
       </p:sp>
@@ -9164,11 +9162,7 @@
           <a:p>
             <a:r>
               <a:rPr lang="zh-CN" altLang="en-US" b="1" dirty="0" smtClean="0"/>
-              <a:t>到了迦百</a:t>
-            </a:r>
-            <a:r>
-              <a:rPr lang="zh-CN" altLang="en-US" b="1" dirty="0" smtClean="0"/>
-              <a:t>农</a:t>
+              <a:t>到了迦百农</a:t>
             </a:r>
             <a:endParaRPr lang="zh-CN" altLang="en-US" dirty="0"/>
           </a:p>
@@ -10040,11 +10034,7 @@
             </a:pPr>
             <a:r>
               <a:rPr lang="zh-CN" altLang="en-US" sz="4400" b="1" dirty="0" smtClean="0"/>
-              <a:t>给故事写一个</a:t>
-            </a:r>
-            <a:r>
-              <a:rPr lang="zh-CN" altLang="en-US" sz="4400" b="1" dirty="0" smtClean="0"/>
-              <a:t>标题</a:t>
+              <a:t>给故事写一个标题</a:t>
             </a:r>
             <a:endParaRPr kumimoji="0" lang="zh-CN" altLang="en-US" sz="4400" b="1" i="0" u="none" strike="noStrike" kern="1200" cap="none" spc="0" normalizeH="0" baseline="0" noProof="0" dirty="0">
               <a:ln>
@@ -10430,11 +10420,7 @@
           <a:p>
             <a:r>
               <a:rPr lang="zh-CN" altLang="en-US" b="1" dirty="0" smtClean="0"/>
-              <a:t>他们一出</a:t>
-            </a:r>
-            <a:r>
-              <a:rPr lang="zh-CN" altLang="en-US" b="1" dirty="0" smtClean="0"/>
-              <a:t>会堂</a:t>
+              <a:t>他们一出会堂</a:t>
             </a:r>
             <a:endParaRPr lang="zh-CN" altLang="en-US" dirty="0"/>
           </a:p>
@@ -10463,13 +10449,8 @@
           <a:p>
             <a:r>
               <a:rPr lang="zh-CN" altLang="en-US" sz="4400" dirty="0" smtClean="0"/>
-              <a:t>是绝对时间还相对时间</a:t>
-            </a:r>
-            <a:r>
-              <a:rPr lang="zh-CN" altLang="en-US" sz="4400" dirty="0" smtClean="0"/>
-              <a:t>？</a:t>
-            </a:r>
-            <a:endParaRPr lang="zh-CN" altLang="en-US" sz="4400" dirty="0" smtClean="0"/>
+              <a:t>是绝对时间还相对时间？</a:t>
+            </a:r>
           </a:p>
           <a:p>
             <a:r>
@@ -10480,13 +10461,8 @@
           <a:p>
             <a:r>
               <a:rPr lang="zh-CN" altLang="en-US" sz="4400" dirty="0" smtClean="0"/>
-              <a:t>人物有哪些</a:t>
-            </a:r>
-            <a:r>
-              <a:rPr lang="zh-CN" altLang="en-US" sz="4400" dirty="0" smtClean="0"/>
-              <a:t>？</a:t>
-            </a:r>
-            <a:endParaRPr lang="zh-CN" altLang="en-US" sz="4400" dirty="0" smtClean="0"/>
+              <a:t>人物有哪些？</a:t>
+            </a:r>
           </a:p>
           <a:p>
             <a:endParaRPr lang="zh-CN" altLang="en-US" dirty="0"/>
@@ -10979,11 +10955,7 @@
           <a:p>
             <a:r>
               <a:rPr lang="zh-CN" altLang="en-US" b="1" dirty="0" smtClean="0"/>
-              <a:t>他们一出</a:t>
-            </a:r>
-            <a:r>
-              <a:rPr lang="zh-CN" altLang="en-US" b="1" dirty="0" smtClean="0"/>
-              <a:t>会堂</a:t>
+              <a:t>他们一出会堂</a:t>
             </a:r>
             <a:endParaRPr lang="zh-CN" altLang="en-US" dirty="0"/>
           </a:p>
@@ -11433,11 +11405,7 @@
           <a:p>
             <a:r>
               <a:rPr lang="zh-CN" altLang="en-US" dirty="0" smtClean="0"/>
-              <a:t>这段经文说了些什么</a:t>
-            </a:r>
-            <a:r>
-              <a:rPr lang="zh-CN" altLang="en-US" dirty="0" smtClean="0"/>
-              <a:t>？</a:t>
+              <a:t>这段经文说了些什么？</a:t>
             </a:r>
             <a:endParaRPr lang="en-US" altLang="zh-CN" dirty="0" smtClean="0"/>
           </a:p>
@@ -11459,11 +11427,7 @@
             </a:r>
             <a:r>
               <a:rPr lang="zh-CN" altLang="en-US" dirty="0" smtClean="0"/>
-              <a:t>耶稣会</a:t>
-            </a:r>
-            <a:r>
-              <a:rPr lang="zh-CN" altLang="en-US" dirty="0" smtClean="0"/>
-              <a:t>治病</a:t>
+              <a:t>耶稣会治病</a:t>
             </a:r>
           </a:p>
           <a:p>
@@ -11474,11 +11438,7 @@
             </a:r>
             <a:r>
               <a:rPr lang="zh-CN" altLang="en-US" dirty="0" smtClean="0"/>
-              <a:t>岳母</a:t>
-            </a:r>
-            <a:r>
-              <a:rPr lang="zh-CN" altLang="en-US" dirty="0" smtClean="0"/>
-              <a:t>会感恩</a:t>
+              <a:t>岳母会感恩</a:t>
             </a:r>
           </a:p>
           <a:p>
@@ -11489,11 +11449,7 @@
             </a:r>
             <a:r>
               <a:rPr lang="zh-CN" altLang="en-US" dirty="0" smtClean="0"/>
-              <a:t>很多人</a:t>
-            </a:r>
-            <a:r>
-              <a:rPr lang="zh-CN" altLang="en-US" dirty="0" smtClean="0"/>
-              <a:t>生病</a:t>
+              <a:t>很多人生病</a:t>
             </a:r>
           </a:p>
           <a:p>
@@ -11504,11 +11460,7 @@
             </a:r>
             <a:r>
               <a:rPr lang="zh-CN" altLang="en-US" dirty="0" smtClean="0"/>
-              <a:t>鬼</a:t>
-            </a:r>
-            <a:r>
-              <a:rPr lang="zh-CN" altLang="en-US" dirty="0" smtClean="0"/>
-              <a:t>认识耶稣</a:t>
+              <a:t>鬼认识耶稣</a:t>
             </a:r>
           </a:p>
           <a:p>
@@ -11519,11 +11471,7 @@
             </a:r>
             <a:r>
               <a:rPr lang="zh-CN" altLang="en-US" dirty="0" smtClean="0"/>
-              <a:t>以上</a:t>
-            </a:r>
-            <a:r>
-              <a:rPr lang="zh-CN" altLang="en-US" dirty="0" smtClean="0"/>
-              <a:t>都不是</a:t>
+              <a:t>以上都不是</a:t>
             </a:r>
           </a:p>
           <a:p>
@@ -12354,13 +12302,8 @@
           <a:p>
             <a:r>
               <a:rPr lang="zh-CN" altLang="en-US" sz="4800" dirty="0" smtClean="0"/>
-              <a:t>时间：</a:t>
-            </a:r>
-            <a:r>
-              <a:rPr lang="zh-CN" altLang="en-US" sz="4800" dirty="0" smtClean="0"/>
-              <a:t>次日早晨</a:t>
-            </a:r>
-            <a:endParaRPr lang="zh-CN" altLang="en-US" sz="4800" dirty="0" smtClean="0"/>
+              <a:t>时间：次日早晨</a:t>
+            </a:r>
           </a:p>
           <a:p>
             <a:r>
